--- a/spotify.pptx
+++ b/spotify.pptx
@@ -272,7 +272,7 @@
           <a:p>
             <a:fld id="{7133CD95-5FC3-4D06-A8BD-2F8CC9DE328C}" type="datetimeFigureOut">
               <a:rPr lang="en-MY" smtClean="0"/>
-              <a:t>24/6/2021</a:t>
+              <a:t>23/11/2022</a:t>
             </a:fld>
             <a:endParaRPr lang="en-MY"/>
           </a:p>
@@ -326,7 +326,7 @@
           <a:p>
             <a:fld id="{39D3802B-2ED3-4DB2-B65D-488E0071871E}" type="slidenum">
               <a:rPr lang="en-MY" smtClean="0"/>
-              <a:t>‹#›</a:t>
+              <a:t>‹N°›</a:t>
             </a:fld>
             <a:endParaRPr lang="en-MY"/>
           </a:p>
@@ -342,13 +342,13 @@
   <p:clrMapOvr>
     <a:masterClrMapping/>
   </p:clrMapOvr>
-  <mc:AlternateContent xmlns:mc="http://schemas.openxmlformats.org/markup-compatibility/2006">
-    <mc:Choice xmlns:p159="http://schemas.microsoft.com/office/powerpoint/2015/09/main" Requires="p159">
+  <mc:AlternateContent xmlns:mc="http://schemas.openxmlformats.org/markup-compatibility/2006" xmlns:p159="http://schemas.microsoft.com/office/powerpoint/2015/09/main">
+    <mc:Choice Requires="p159">
       <p:transition xmlns:p14="http://schemas.microsoft.com/office/powerpoint/2010/main" spd="slow" p14:dur="1750" advTm="500">
         <p159:morph option="byObject"/>
       </p:transition>
     </mc:Choice>
-    <mc:Fallback>
+    <mc:Fallback xmlns="">
       <p:transition spd="slow" advTm="500">
         <p:fade/>
       </p:transition>
@@ -484,7 +484,7 @@
           <a:p>
             <a:fld id="{7133CD95-5FC3-4D06-A8BD-2F8CC9DE328C}" type="datetimeFigureOut">
               <a:rPr lang="en-MY" smtClean="0"/>
-              <a:t>24/6/2021</a:t>
+              <a:t>23/11/2022</a:t>
             </a:fld>
             <a:endParaRPr lang="en-MY"/>
           </a:p>
@@ -538,7 +538,7 @@
           <a:p>
             <a:fld id="{39D3802B-2ED3-4DB2-B65D-488E0071871E}" type="slidenum">
               <a:rPr lang="en-MY" smtClean="0"/>
-              <a:t>‹#›</a:t>
+              <a:t>‹N°›</a:t>
             </a:fld>
             <a:endParaRPr lang="en-MY"/>
           </a:p>
@@ -554,13 +554,13 @@
   <p:clrMapOvr>
     <a:masterClrMapping/>
   </p:clrMapOvr>
-  <mc:AlternateContent xmlns:mc="http://schemas.openxmlformats.org/markup-compatibility/2006">
-    <mc:Choice xmlns:p159="http://schemas.microsoft.com/office/powerpoint/2015/09/main" Requires="p159">
+  <mc:AlternateContent xmlns:mc="http://schemas.openxmlformats.org/markup-compatibility/2006" xmlns:p159="http://schemas.microsoft.com/office/powerpoint/2015/09/main">
+    <mc:Choice Requires="p159">
       <p:transition xmlns:p14="http://schemas.microsoft.com/office/powerpoint/2010/main" spd="slow" p14:dur="1750" advTm="500">
         <p159:morph option="byObject"/>
       </p:transition>
     </mc:Choice>
-    <mc:Fallback>
+    <mc:Fallback xmlns="">
       <p:transition spd="slow" advTm="500">
         <p:fade/>
       </p:transition>
@@ -706,7 +706,7 @@
           <a:p>
             <a:fld id="{7133CD95-5FC3-4D06-A8BD-2F8CC9DE328C}" type="datetimeFigureOut">
               <a:rPr lang="en-MY" smtClean="0"/>
-              <a:t>24/6/2021</a:t>
+              <a:t>23/11/2022</a:t>
             </a:fld>
             <a:endParaRPr lang="en-MY"/>
           </a:p>
@@ -760,7 +760,7 @@
           <a:p>
             <a:fld id="{39D3802B-2ED3-4DB2-B65D-488E0071871E}" type="slidenum">
               <a:rPr lang="en-MY" smtClean="0"/>
-              <a:t>‹#›</a:t>
+              <a:t>‹N°›</a:t>
             </a:fld>
             <a:endParaRPr lang="en-MY"/>
           </a:p>
@@ -776,13 +776,13 @@
   <p:clrMapOvr>
     <a:masterClrMapping/>
   </p:clrMapOvr>
-  <mc:AlternateContent xmlns:mc="http://schemas.openxmlformats.org/markup-compatibility/2006">
-    <mc:Choice xmlns:p159="http://schemas.microsoft.com/office/powerpoint/2015/09/main" Requires="p159">
+  <mc:AlternateContent xmlns:mc="http://schemas.openxmlformats.org/markup-compatibility/2006" xmlns:p159="http://schemas.microsoft.com/office/powerpoint/2015/09/main">
+    <mc:Choice Requires="p159">
       <p:transition xmlns:p14="http://schemas.microsoft.com/office/powerpoint/2010/main" spd="slow" p14:dur="1750" advTm="500">
         <p159:morph option="byObject"/>
       </p:transition>
     </mc:Choice>
-    <mc:Fallback>
+    <mc:Fallback xmlns="">
       <p:transition spd="slow" advTm="500">
         <p:fade/>
       </p:transition>
@@ -918,7 +918,7 @@
           <a:p>
             <a:fld id="{7133CD95-5FC3-4D06-A8BD-2F8CC9DE328C}" type="datetimeFigureOut">
               <a:rPr lang="en-MY" smtClean="0"/>
-              <a:t>24/6/2021</a:t>
+              <a:t>23/11/2022</a:t>
             </a:fld>
             <a:endParaRPr lang="en-MY"/>
           </a:p>
@@ -972,7 +972,7 @@
           <a:p>
             <a:fld id="{39D3802B-2ED3-4DB2-B65D-488E0071871E}" type="slidenum">
               <a:rPr lang="en-MY" smtClean="0"/>
-              <a:t>‹#›</a:t>
+              <a:t>‹N°›</a:t>
             </a:fld>
             <a:endParaRPr lang="en-MY"/>
           </a:p>
@@ -988,13 +988,13 @@
   <p:clrMapOvr>
     <a:masterClrMapping/>
   </p:clrMapOvr>
-  <mc:AlternateContent xmlns:mc="http://schemas.openxmlformats.org/markup-compatibility/2006">
-    <mc:Choice xmlns:p159="http://schemas.microsoft.com/office/powerpoint/2015/09/main" Requires="p159">
+  <mc:AlternateContent xmlns:mc="http://schemas.openxmlformats.org/markup-compatibility/2006" xmlns:p159="http://schemas.microsoft.com/office/powerpoint/2015/09/main">
+    <mc:Choice Requires="p159">
       <p:transition xmlns:p14="http://schemas.microsoft.com/office/powerpoint/2010/main" spd="slow" p14:dur="1750" advTm="500">
         <p159:morph option="byObject"/>
       </p:transition>
     </mc:Choice>
-    <mc:Fallback>
+    <mc:Fallback xmlns="">
       <p:transition spd="slow" advTm="500">
         <p:fade/>
       </p:transition>
@@ -1206,7 +1206,7 @@
           <a:p>
             <a:fld id="{7133CD95-5FC3-4D06-A8BD-2F8CC9DE328C}" type="datetimeFigureOut">
               <a:rPr lang="en-MY" smtClean="0"/>
-              <a:t>24/6/2021</a:t>
+              <a:t>23/11/2022</a:t>
             </a:fld>
             <a:endParaRPr lang="en-MY"/>
           </a:p>
@@ -1260,7 +1260,7 @@
           <a:p>
             <a:fld id="{39D3802B-2ED3-4DB2-B65D-488E0071871E}" type="slidenum">
               <a:rPr lang="en-MY" smtClean="0"/>
-              <a:t>‹#›</a:t>
+              <a:t>‹N°›</a:t>
             </a:fld>
             <a:endParaRPr lang="en-MY"/>
           </a:p>
@@ -1276,13 +1276,13 @@
   <p:clrMapOvr>
     <a:masterClrMapping/>
   </p:clrMapOvr>
-  <mc:AlternateContent xmlns:mc="http://schemas.openxmlformats.org/markup-compatibility/2006">
-    <mc:Choice xmlns:p159="http://schemas.microsoft.com/office/powerpoint/2015/09/main" Requires="p159">
+  <mc:AlternateContent xmlns:mc="http://schemas.openxmlformats.org/markup-compatibility/2006" xmlns:p159="http://schemas.microsoft.com/office/powerpoint/2015/09/main">
+    <mc:Choice Requires="p159">
       <p:transition xmlns:p14="http://schemas.microsoft.com/office/powerpoint/2010/main" spd="slow" p14:dur="1750" advTm="500">
         <p159:morph option="byObject"/>
       </p:transition>
     </mc:Choice>
-    <mc:Fallback>
+    <mc:Fallback xmlns="">
       <p:transition spd="slow" advTm="500">
         <p:fade/>
       </p:transition>
@@ -1486,7 +1486,7 @@
           <a:p>
             <a:fld id="{7133CD95-5FC3-4D06-A8BD-2F8CC9DE328C}" type="datetimeFigureOut">
               <a:rPr lang="en-MY" smtClean="0"/>
-              <a:t>24/6/2021</a:t>
+              <a:t>23/11/2022</a:t>
             </a:fld>
             <a:endParaRPr lang="en-MY"/>
           </a:p>
@@ -1540,7 +1540,7 @@
           <a:p>
             <a:fld id="{39D3802B-2ED3-4DB2-B65D-488E0071871E}" type="slidenum">
               <a:rPr lang="en-MY" smtClean="0"/>
-              <a:t>‹#›</a:t>
+              <a:t>‹N°›</a:t>
             </a:fld>
             <a:endParaRPr lang="en-MY"/>
           </a:p>
@@ -1556,13 +1556,13 @@
   <p:clrMapOvr>
     <a:masterClrMapping/>
   </p:clrMapOvr>
-  <mc:AlternateContent xmlns:mc="http://schemas.openxmlformats.org/markup-compatibility/2006">
-    <mc:Choice xmlns:p159="http://schemas.microsoft.com/office/powerpoint/2015/09/main" Requires="p159">
+  <mc:AlternateContent xmlns:mc="http://schemas.openxmlformats.org/markup-compatibility/2006" xmlns:p159="http://schemas.microsoft.com/office/powerpoint/2015/09/main">
+    <mc:Choice Requires="p159">
       <p:transition xmlns:p14="http://schemas.microsoft.com/office/powerpoint/2010/main" spd="slow" p14:dur="1750" advTm="500">
         <p159:morph option="byObject"/>
       </p:transition>
     </mc:Choice>
-    <mc:Fallback>
+    <mc:Fallback xmlns="">
       <p:transition spd="slow" advTm="500">
         <p:fade/>
       </p:transition>
@@ -1913,7 +1913,7 @@
           <a:p>
             <a:fld id="{7133CD95-5FC3-4D06-A8BD-2F8CC9DE328C}" type="datetimeFigureOut">
               <a:rPr lang="en-MY" smtClean="0"/>
-              <a:t>24/6/2021</a:t>
+              <a:t>23/11/2022</a:t>
             </a:fld>
             <a:endParaRPr lang="en-MY"/>
           </a:p>
@@ -1967,7 +1967,7 @@
           <a:p>
             <a:fld id="{39D3802B-2ED3-4DB2-B65D-488E0071871E}" type="slidenum">
               <a:rPr lang="en-MY" smtClean="0"/>
-              <a:t>‹#›</a:t>
+              <a:t>‹N°›</a:t>
             </a:fld>
             <a:endParaRPr lang="en-MY"/>
           </a:p>
@@ -1983,13 +1983,13 @@
   <p:clrMapOvr>
     <a:masterClrMapping/>
   </p:clrMapOvr>
-  <mc:AlternateContent xmlns:mc="http://schemas.openxmlformats.org/markup-compatibility/2006">
-    <mc:Choice xmlns:p159="http://schemas.microsoft.com/office/powerpoint/2015/09/main" Requires="p159">
+  <mc:AlternateContent xmlns:mc="http://schemas.openxmlformats.org/markup-compatibility/2006" xmlns:p159="http://schemas.microsoft.com/office/powerpoint/2015/09/main">
+    <mc:Choice Requires="p159">
       <p:transition xmlns:p14="http://schemas.microsoft.com/office/powerpoint/2010/main" spd="slow" p14:dur="1750" advTm="500">
         <p159:morph option="byObject"/>
       </p:transition>
     </mc:Choice>
-    <mc:Fallback>
+    <mc:Fallback xmlns="">
       <p:transition spd="slow" advTm="500">
         <p:fade/>
       </p:transition>
@@ -2067,7 +2067,7 @@
           <a:p>
             <a:fld id="{7133CD95-5FC3-4D06-A8BD-2F8CC9DE328C}" type="datetimeFigureOut">
               <a:rPr lang="en-MY" smtClean="0"/>
-              <a:t>24/6/2021</a:t>
+              <a:t>23/11/2022</a:t>
             </a:fld>
             <a:endParaRPr lang="en-MY"/>
           </a:p>
@@ -2121,7 +2121,7 @@
           <a:p>
             <a:fld id="{39D3802B-2ED3-4DB2-B65D-488E0071871E}" type="slidenum">
               <a:rPr lang="en-MY" smtClean="0"/>
-              <a:t>‹#›</a:t>
+              <a:t>‹N°›</a:t>
             </a:fld>
             <a:endParaRPr lang="en-MY"/>
           </a:p>
@@ -2137,13 +2137,13 @@
   <p:clrMapOvr>
     <a:masterClrMapping/>
   </p:clrMapOvr>
-  <mc:AlternateContent xmlns:mc="http://schemas.openxmlformats.org/markup-compatibility/2006">
-    <mc:Choice xmlns:p159="http://schemas.microsoft.com/office/powerpoint/2015/09/main" Requires="p159">
+  <mc:AlternateContent xmlns:mc="http://schemas.openxmlformats.org/markup-compatibility/2006" xmlns:p159="http://schemas.microsoft.com/office/powerpoint/2015/09/main">
+    <mc:Choice Requires="p159">
       <p:transition xmlns:p14="http://schemas.microsoft.com/office/powerpoint/2010/main" spd="slow" p14:dur="1750" advTm="500">
         <p159:morph option="byObject"/>
       </p:transition>
     </mc:Choice>
-    <mc:Fallback>
+    <mc:Fallback xmlns="">
       <p:transition spd="slow" advTm="500">
         <p:fade/>
       </p:transition>
@@ -2192,7 +2192,7 @@
           <a:p>
             <a:fld id="{7133CD95-5FC3-4D06-A8BD-2F8CC9DE328C}" type="datetimeFigureOut">
               <a:rPr lang="en-MY" smtClean="0"/>
-              <a:t>24/6/2021</a:t>
+              <a:t>23/11/2022</a:t>
             </a:fld>
             <a:endParaRPr lang="en-MY"/>
           </a:p>
@@ -2246,7 +2246,7 @@
           <a:p>
             <a:fld id="{39D3802B-2ED3-4DB2-B65D-488E0071871E}" type="slidenum">
               <a:rPr lang="en-MY" smtClean="0"/>
-              <a:t>‹#›</a:t>
+              <a:t>‹N°›</a:t>
             </a:fld>
             <a:endParaRPr lang="en-MY"/>
           </a:p>
@@ -2262,13 +2262,13 @@
   <p:clrMapOvr>
     <a:masterClrMapping/>
   </p:clrMapOvr>
-  <mc:AlternateContent xmlns:mc="http://schemas.openxmlformats.org/markup-compatibility/2006">
-    <mc:Choice xmlns:p159="http://schemas.microsoft.com/office/powerpoint/2015/09/main" Requires="p159">
+  <mc:AlternateContent xmlns:mc="http://schemas.openxmlformats.org/markup-compatibility/2006" xmlns:p159="http://schemas.microsoft.com/office/powerpoint/2015/09/main">
+    <mc:Choice Requires="p159">
       <p:transition xmlns:p14="http://schemas.microsoft.com/office/powerpoint/2010/main" spd="slow" p14:dur="1750" advTm="500">
         <p159:morph option="byObject"/>
       </p:transition>
     </mc:Choice>
-    <mc:Fallback>
+    <mc:Fallback xmlns="">
       <p:transition spd="slow" advTm="500">
         <p:fade/>
       </p:transition>
@@ -2517,7 +2517,7 @@
           <a:p>
             <a:fld id="{7133CD95-5FC3-4D06-A8BD-2F8CC9DE328C}" type="datetimeFigureOut">
               <a:rPr lang="en-MY" smtClean="0"/>
-              <a:t>24/6/2021</a:t>
+              <a:t>23/11/2022</a:t>
             </a:fld>
             <a:endParaRPr lang="en-MY"/>
           </a:p>
@@ -2571,7 +2571,7 @@
           <a:p>
             <a:fld id="{39D3802B-2ED3-4DB2-B65D-488E0071871E}" type="slidenum">
               <a:rPr lang="en-MY" smtClean="0"/>
-              <a:t>‹#›</a:t>
+              <a:t>‹N°›</a:t>
             </a:fld>
             <a:endParaRPr lang="en-MY"/>
           </a:p>
@@ -2587,13 +2587,13 @@
   <p:clrMapOvr>
     <a:masterClrMapping/>
   </p:clrMapOvr>
-  <mc:AlternateContent xmlns:mc="http://schemas.openxmlformats.org/markup-compatibility/2006">
-    <mc:Choice xmlns:p159="http://schemas.microsoft.com/office/powerpoint/2015/09/main" Requires="p159">
+  <mc:AlternateContent xmlns:mc="http://schemas.openxmlformats.org/markup-compatibility/2006" xmlns:p159="http://schemas.microsoft.com/office/powerpoint/2015/09/main">
+    <mc:Choice Requires="p159">
       <p:transition xmlns:p14="http://schemas.microsoft.com/office/powerpoint/2010/main" spd="slow" p14:dur="1750" advTm="500">
         <p159:morph option="byObject"/>
       </p:transition>
     </mc:Choice>
-    <mc:Fallback>
+    <mc:Fallback xmlns="">
       <p:transition spd="slow" advTm="500">
         <p:fade/>
       </p:transition>
@@ -2818,7 +2818,7 @@
           <a:p>
             <a:fld id="{7133CD95-5FC3-4D06-A8BD-2F8CC9DE328C}" type="datetimeFigureOut">
               <a:rPr lang="en-MY" smtClean="0"/>
-              <a:t>24/6/2021</a:t>
+              <a:t>23/11/2022</a:t>
             </a:fld>
             <a:endParaRPr lang="en-MY"/>
           </a:p>
@@ -2872,7 +2872,7 @@
           <a:p>
             <a:fld id="{39D3802B-2ED3-4DB2-B65D-488E0071871E}" type="slidenum">
               <a:rPr lang="en-MY" smtClean="0"/>
-              <a:t>‹#›</a:t>
+              <a:t>‹N°›</a:t>
             </a:fld>
             <a:endParaRPr lang="en-MY"/>
           </a:p>
@@ -2888,13 +2888,13 @@
   <p:clrMapOvr>
     <a:masterClrMapping/>
   </p:clrMapOvr>
-  <mc:AlternateContent xmlns:mc="http://schemas.openxmlformats.org/markup-compatibility/2006">
-    <mc:Choice xmlns:p159="http://schemas.microsoft.com/office/powerpoint/2015/09/main" Requires="p159">
+  <mc:AlternateContent xmlns:mc="http://schemas.openxmlformats.org/markup-compatibility/2006" xmlns:p159="http://schemas.microsoft.com/office/powerpoint/2015/09/main">
+    <mc:Choice Requires="p159">
       <p:transition xmlns:p14="http://schemas.microsoft.com/office/powerpoint/2010/main" spd="slow" p14:dur="1750" advTm="500">
         <p159:morph option="byObject"/>
       </p:transition>
     </mc:Choice>
-    <mc:Fallback>
+    <mc:Fallback xmlns="">
       <p:transition spd="slow" advTm="500">
         <p:fade/>
       </p:transition>
@@ -3073,7 +3073,7 @@
           <a:p>
             <a:fld id="{7133CD95-5FC3-4D06-A8BD-2F8CC9DE328C}" type="datetimeFigureOut">
               <a:rPr lang="en-MY" smtClean="0"/>
-              <a:t>24/6/2021</a:t>
+              <a:t>23/11/2022</a:t>
             </a:fld>
             <a:endParaRPr lang="en-MY"/>
           </a:p>
@@ -3163,7 +3163,7 @@
           <a:p>
             <a:fld id="{39D3802B-2ED3-4DB2-B65D-488E0071871E}" type="slidenum">
               <a:rPr lang="en-MY" smtClean="0"/>
-              <a:t>‹#›</a:t>
+              <a:t>‹N°›</a:t>
             </a:fld>
             <a:endParaRPr lang="en-MY"/>
           </a:p>
@@ -3190,13 +3190,13 @@
     <p:sldLayoutId id="2147483658" r:id="rId10"/>
     <p:sldLayoutId id="2147483659" r:id="rId11"/>
   </p:sldLayoutIdLst>
-  <mc:AlternateContent xmlns:mc="http://schemas.openxmlformats.org/markup-compatibility/2006">
-    <mc:Choice xmlns:p159="http://schemas.microsoft.com/office/powerpoint/2015/09/main" Requires="p159">
+  <mc:AlternateContent xmlns:mc="http://schemas.openxmlformats.org/markup-compatibility/2006" xmlns:p159="http://schemas.microsoft.com/office/powerpoint/2015/09/main">
+    <mc:Choice Requires="p159">
       <p:transition xmlns:p14="http://schemas.microsoft.com/office/powerpoint/2010/main" spd="slow" p14:dur="1750" advTm="500">
         <p159:morph option="byObject"/>
       </p:transition>
     </mc:Choice>
-    <mc:Fallback>
+    <mc:Fallback xmlns="">
       <p:transition spd="slow" advTm="500">
         <p:fade/>
       </p:transition>
@@ -3562,62 +3562,6 @@
           </a:p>
         </p:txBody>
       </p:sp>
-      <p:pic>
-        <p:nvPicPr>
-          <p:cNvPr id="1026" name="Picture 2" descr="Listening is everything - Spotify">
-            <a:extLst>
-              <a:ext uri="{FF2B5EF4-FFF2-40B4-BE49-F238E27FC236}">
-                <a16:creationId xmlns:a16="http://schemas.microsoft.com/office/drawing/2014/main" id="{513A227B-FCC9-4357-BDA6-207D4C12DB62}"/>
-              </a:ext>
-            </a:extLst>
-          </p:cNvPr>
-          <p:cNvPicPr>
-            <a:picLocks noChangeAspect="1" noChangeArrowheads="1"/>
-          </p:cNvPicPr>
-          <p:nvPr/>
-        </p:nvPicPr>
-        <p:blipFill>
-          <a:blip r:embed="rId2">
-            <a:extLst>
-              <a:ext uri="{BEBA8EAE-BF5A-486C-A8C5-ECC9F3942E4B}">
-                <a14:imgProps xmlns:a14="http://schemas.microsoft.com/office/drawing/2010/main">
-                  <a14:imgLayer r:embed="rId3">
-                    <a14:imgEffect>
-                      <a14:backgroundRemoval t="10000" b="90000" l="10000" r="90000"/>
-                    </a14:imgEffect>
-                  </a14:imgLayer>
-                </a14:imgProps>
-              </a:ext>
-              <a:ext uri="{28A0092B-C50C-407E-A947-70E740481C1C}">
-                <a14:useLocalDpi xmlns:a14="http://schemas.microsoft.com/office/drawing/2010/main" val="0"/>
-              </a:ext>
-            </a:extLst>
-          </a:blip>
-          <a:srcRect/>
-          <a:stretch>
-            <a:fillRect/>
-          </a:stretch>
-        </p:blipFill>
-        <p:spPr bwMode="auto">
-          <a:xfrm>
-            <a:off x="4953000" y="1794934"/>
-            <a:ext cx="2286000" cy="2286000"/>
-          </a:xfrm>
-          <a:prstGeom prst="rect">
-            <a:avLst/>
-          </a:prstGeom>
-          <a:noFill/>
-          <a:extLst>
-            <a:ext uri="{909E8E84-426E-40DD-AFC4-6F175D3DCCD1}">
-              <a14:hiddenFill xmlns:a14="http://schemas.microsoft.com/office/drawing/2010/main">
-                <a:solidFill>
-                  <a:srgbClr val="FFFFFF"/>
-                </a:solidFill>
-              </a14:hiddenFill>
-            </a:ext>
-          </a:extLst>
-        </p:spPr>
-      </p:pic>
       <p:sp>
         <p:nvSpPr>
           <p:cNvPr id="6" name="TextBox 5">
@@ -3632,8 +3576,8 @@
         </p:nvSpPr>
         <p:spPr>
           <a:xfrm>
-            <a:off x="4191000" y="3419214"/>
-            <a:ext cx="6096000" cy="1323439"/>
+            <a:off x="4243914" y="4309533"/>
+            <a:ext cx="3704167" cy="1323439"/>
           </a:xfrm>
           <a:prstGeom prst="rect">
             <a:avLst/>
@@ -3647,14 +3591,14 @@
           <a:lstStyle/>
           <a:p>
             <a:r>
-              <a:rPr lang="en-MY" sz="8000" b="1" i="0" dirty="0">
+              <a:rPr lang="en-MY" sz="8000" b="1" i="0" dirty="0" err="1">
                 <a:solidFill>
                   <a:srgbClr val="1ED760"/>
                 </a:solidFill>
                 <a:effectLst/>
                 <a:latin typeface="Gotham" panose="02000804040000020004" pitchFamily="2" charset="0"/>
               </a:rPr>
-              <a:t>Spotify</a:t>
+              <a:t>SpotiViz</a:t>
             </a:r>
             <a:r>
               <a:rPr lang="en-MY" sz="8000" b="1" i="0" dirty="0">
@@ -3676,6 +3620,42 @@
           </a:p>
         </p:txBody>
       </p:sp>
+      <p:pic>
+        <p:nvPicPr>
+          <p:cNvPr id="4" name="Image 3">
+            <a:extLst>
+              <a:ext uri="{FF2B5EF4-FFF2-40B4-BE49-F238E27FC236}">
+                <a16:creationId xmlns:a16="http://schemas.microsoft.com/office/drawing/2014/main" id="{D416D38C-A01C-9B22-9142-53375A67E3C0}"/>
+              </a:ext>
+            </a:extLst>
+          </p:cNvPr>
+          <p:cNvPicPr>
+            <a:picLocks noChangeAspect="1"/>
+          </p:cNvPicPr>
+          <p:nvPr/>
+        </p:nvPicPr>
+        <p:blipFill>
+          <a:blip r:embed="rId2">
+            <a:extLst>
+              <a:ext uri="{28A0092B-C50C-407E-A947-70E740481C1C}">
+                <a14:useLocalDpi xmlns:a14="http://schemas.microsoft.com/office/drawing/2010/main" val="0"/>
+              </a:ext>
+            </a:extLst>
+          </a:blip>
+          <a:stretch>
+            <a:fillRect/>
+          </a:stretch>
+        </p:blipFill>
+        <p:spPr>
+          <a:xfrm>
+            <a:off x="4900082" y="1739900"/>
+            <a:ext cx="2391833" cy="2391833"/>
+          </a:xfrm>
+          <a:prstGeom prst="rect">
+            <a:avLst/>
+          </a:prstGeom>
+        </p:spPr>
+      </p:pic>
     </p:spTree>
     <p:extLst>
       <p:ext uri="{BB962C8B-B14F-4D97-AF65-F5344CB8AC3E}">
@@ -3688,12 +3668,12 @@
   </p:clrMapOvr>
   <mc:AlternateContent xmlns:mc="http://schemas.openxmlformats.org/markup-compatibility/2006">
     <mc:Choice xmlns:p159="http://schemas.microsoft.com/office/powerpoint/2015/09/main" Requires="p159">
-      <p:transition xmlns:p14="http://schemas.microsoft.com/office/powerpoint/2010/main" spd="slow" p14:dur="1750" advTm="500">
+      <p:transition xmlns:p14="http://schemas.microsoft.com/office/powerpoint/2010/main" spd="slow" p14:dur="1750">
         <p159:morph option="byObject"/>
       </p:transition>
     </mc:Choice>
     <mc:Fallback>
-      <p:transition spd="slow" advTm="500">
+      <p:transition spd="slow">
         <p:fade/>
       </p:transition>
     </mc:Fallback>
@@ -6079,12 +6059,12 @@
   </p:clrMapOvr>
   <mc:AlternateContent xmlns:mc="http://schemas.openxmlformats.org/markup-compatibility/2006">
     <mc:Choice xmlns:p159="http://schemas.microsoft.com/office/powerpoint/2015/09/main" Requires="p159">
-      <p:transition xmlns:p14="http://schemas.microsoft.com/office/powerpoint/2010/main" spd="slow" p14:dur="1750" advTm="500">
+      <p:transition xmlns:p14="http://schemas.microsoft.com/office/powerpoint/2010/main" spd="slow" p14:dur="1750">
         <p159:morph option="byObject"/>
       </p:transition>
     </mc:Choice>
     <mc:Fallback>
-      <p:transition spd="slow" advTm="500">
+      <p:transition spd="slow">
         <p:fade/>
       </p:transition>
     </mc:Fallback>
@@ -7689,12 +7669,12 @@
   </p:clrMapOvr>
   <mc:AlternateContent xmlns:mc="http://schemas.openxmlformats.org/markup-compatibility/2006">
     <mc:Choice xmlns:p159="http://schemas.microsoft.com/office/powerpoint/2015/09/main" Requires="p159">
-      <p:transition xmlns:p14="http://schemas.microsoft.com/office/powerpoint/2010/main" spd="slow" p14:dur="1750" advTm="500">
+      <p:transition xmlns:p14="http://schemas.microsoft.com/office/powerpoint/2010/main" spd="slow" p14:dur="1750">
         <p159:morph option="byObject"/>
       </p:transition>
     </mc:Choice>
     <mc:Fallback>
-      <p:transition spd="slow" advTm="500">
+      <p:transition spd="slow">
         <p:fade/>
       </p:transition>
     </mc:Fallback>
@@ -9299,12 +9279,12 @@
   </p:clrMapOvr>
   <mc:AlternateContent xmlns:mc="http://schemas.openxmlformats.org/markup-compatibility/2006">
     <mc:Choice xmlns:p159="http://schemas.microsoft.com/office/powerpoint/2015/09/main" Requires="p159">
-      <p:transition xmlns:p14="http://schemas.microsoft.com/office/powerpoint/2010/main" spd="slow" p14:dur="1750" advTm="2000">
+      <p:transition xmlns:p14="http://schemas.microsoft.com/office/powerpoint/2010/main" spd="slow" p14:dur="1750">
         <p159:morph option="byObject"/>
       </p:transition>
     </mc:Choice>
     <mc:Fallback>
-      <p:transition spd="slow" advTm="2000">
+      <p:transition spd="slow">
         <p:fade/>
       </p:transition>
     </mc:Fallback>
@@ -9389,63 +9369,6 @@
           </a:p>
         </p:txBody>
       </p:sp>
-      <p:pic>
-        <p:nvPicPr>
-          <p:cNvPr id="1026" name="Picture 2" descr="Listening is everything - Spotify">
-            <a:extLst>
-              <a:ext uri="{FF2B5EF4-FFF2-40B4-BE49-F238E27FC236}">
-                <a16:creationId xmlns:a16="http://schemas.microsoft.com/office/drawing/2014/main" id="{513A227B-FCC9-4357-BDA6-207D4C12DB62}"/>
-              </a:ext>
-            </a:extLst>
-          </p:cNvPr>
-          <p:cNvPicPr>
-            <a:picLocks noChangeAspect="1" noChangeArrowheads="1"/>
-          </p:cNvPicPr>
-          <p:nvPr/>
-        </p:nvPicPr>
-        <p:blipFill>
-          <a:blip r:embed="rId2">
-            <a:biLevel thresh="75000"/>
-            <a:extLst>
-              <a:ext uri="{BEBA8EAE-BF5A-486C-A8C5-ECC9F3942E4B}">
-                <a14:imgProps xmlns:a14="http://schemas.microsoft.com/office/drawing/2010/main">
-                  <a14:imgLayer r:embed="rId3">
-                    <a14:imgEffect>
-                      <a14:backgroundRemoval t="10000" b="90000" l="10000" r="90000"/>
-                    </a14:imgEffect>
-                  </a14:imgLayer>
-                </a14:imgProps>
-              </a:ext>
-              <a:ext uri="{28A0092B-C50C-407E-A947-70E740481C1C}">
-                <a14:useLocalDpi xmlns:a14="http://schemas.microsoft.com/office/drawing/2010/main" val="0"/>
-              </a:ext>
-            </a:extLst>
-          </a:blip>
-          <a:srcRect/>
-          <a:stretch>
-            <a:fillRect/>
-          </a:stretch>
-        </p:blipFill>
-        <p:spPr bwMode="auto">
-          <a:xfrm>
-            <a:off x="4953000" y="2150534"/>
-            <a:ext cx="2286000" cy="2286000"/>
-          </a:xfrm>
-          <a:prstGeom prst="rect">
-            <a:avLst/>
-          </a:prstGeom>
-          <a:noFill/>
-          <a:extLst>
-            <a:ext uri="{909E8E84-426E-40DD-AFC4-6F175D3DCCD1}">
-              <a14:hiddenFill xmlns:a14="http://schemas.microsoft.com/office/drawing/2010/main">
-                <a:solidFill>
-                  <a:srgbClr val="FFFFFF"/>
-                </a:solidFill>
-              </a14:hiddenFill>
-            </a:ext>
-          </a:extLst>
-        </p:spPr>
-      </p:pic>
       <p:sp>
         <p:nvSpPr>
           <p:cNvPr id="6" name="TextBox 5">
@@ -9460,8 +9383,8 @@
         </p:nvSpPr>
         <p:spPr>
           <a:xfrm>
-            <a:off x="4191000" y="4080934"/>
-            <a:ext cx="6096000" cy="1323439"/>
+            <a:off x="4241798" y="4309534"/>
+            <a:ext cx="3708400" cy="1323439"/>
           </a:xfrm>
           <a:prstGeom prst="rect">
             <a:avLst/>
@@ -9475,11 +9398,11 @@
           <a:lstStyle/>
           <a:p>
             <a:r>
-              <a:rPr lang="en-MY" sz="8000" b="1" i="0" dirty="0">
+              <a:rPr lang="en-MY" sz="8000" b="1" i="0" dirty="0" err="1">
                 <a:effectLst/>
                 <a:latin typeface="Gotham" panose="02000804040000020004" pitchFamily="2" charset="0"/>
               </a:rPr>
-              <a:t>Spotify</a:t>
+              <a:t>SpotiViz</a:t>
             </a:r>
             <a:r>
               <a:rPr lang="en-MY" sz="8000" b="1" i="0" dirty="0">
@@ -9495,6 +9418,43 @@
           </a:p>
         </p:txBody>
       </p:sp>
+      <p:pic>
+        <p:nvPicPr>
+          <p:cNvPr id="2" name="Image 1">
+            <a:extLst>
+              <a:ext uri="{FF2B5EF4-FFF2-40B4-BE49-F238E27FC236}">
+                <a16:creationId xmlns:a16="http://schemas.microsoft.com/office/drawing/2014/main" id="{9077AD0A-3B21-950C-E2C9-DEB411B80C98}"/>
+              </a:ext>
+            </a:extLst>
+          </p:cNvPr>
+          <p:cNvPicPr>
+            <a:picLocks noChangeAspect="1"/>
+          </p:cNvPicPr>
+          <p:nvPr/>
+        </p:nvPicPr>
+        <p:blipFill>
+          <a:blip r:embed="rId2">
+            <a:biLevel thresh="75000"/>
+            <a:extLst>
+              <a:ext uri="{28A0092B-C50C-407E-A947-70E740481C1C}">
+                <a14:useLocalDpi xmlns:a14="http://schemas.microsoft.com/office/drawing/2010/main" val="0"/>
+              </a:ext>
+            </a:extLst>
+          </a:blip>
+          <a:stretch>
+            <a:fillRect/>
+          </a:stretch>
+        </p:blipFill>
+        <p:spPr>
+          <a:xfrm>
+            <a:off x="4900082" y="1739900"/>
+            <a:ext cx="2391833" cy="2391833"/>
+          </a:xfrm>
+          <a:prstGeom prst="rect">
+            <a:avLst/>
+          </a:prstGeom>
+        </p:spPr>
+      </p:pic>
     </p:spTree>
     <p:extLst>
       <p:ext uri="{BB962C8B-B14F-4D97-AF65-F5344CB8AC3E}">
@@ -9507,12 +9467,12 @@
   </p:clrMapOvr>
   <mc:AlternateContent xmlns:mc="http://schemas.openxmlformats.org/markup-compatibility/2006">
     <mc:Choice xmlns:p159="http://schemas.microsoft.com/office/powerpoint/2015/09/main" Requires="p159">
-      <p:transition xmlns:p14="http://schemas.microsoft.com/office/powerpoint/2010/main" spd="slow" p14:dur="1750" advTm="500">
+      <p:transition xmlns:p14="http://schemas.microsoft.com/office/powerpoint/2010/main" spd="slow" p14:dur="1750">
         <p159:morph option="byObject"/>
       </p:transition>
     </mc:Choice>
     <mc:Fallback>
-      <p:transition spd="slow" advTm="500">
+      <p:transition spd="slow">
         <p:fade/>
       </p:transition>
     </mc:Fallback>
@@ -9594,94 +9554,6 @@
           <a:p>
             <a:pPr algn="ctr"/>
             <a:endParaRPr lang="en-MY"/>
-          </a:p>
-        </p:txBody>
-      </p:sp>
-      <p:sp>
-        <p:nvSpPr>
-          <p:cNvPr id="6" name="TextBox 5">
-            <a:extLst>
-              <a:ext uri="{FF2B5EF4-FFF2-40B4-BE49-F238E27FC236}">
-                <a16:creationId xmlns:a16="http://schemas.microsoft.com/office/drawing/2014/main" id="{35794AA5-BD59-414E-94BB-A115B43BEDC3}"/>
-              </a:ext>
-            </a:extLst>
-          </p:cNvPr>
-          <p:cNvSpPr txBox="1"/>
-          <p:nvPr/>
-        </p:nvSpPr>
-        <p:spPr>
-          <a:xfrm>
-            <a:off x="12192000" y="1664888"/>
-            <a:ext cx="6096000" cy="1323439"/>
-          </a:xfrm>
-          <a:prstGeom prst="rect">
-            <a:avLst/>
-          </a:prstGeom>
-          <a:noFill/>
-        </p:spPr>
-        <p:txBody>
-          <a:bodyPr wrap="square">
-            <a:spAutoFit/>
-          </a:bodyPr>
-          <a:lstStyle/>
-          <a:p>
-            <a:r>
-              <a:rPr lang="en-MY" sz="8000" b="1" i="0" dirty="0">
-                <a:solidFill>
-                  <a:srgbClr val="1ED760"/>
-                </a:solidFill>
-                <a:effectLst/>
-                <a:latin typeface="Gotham" panose="02000804040000020004" pitchFamily="2" charset="0"/>
-              </a:rPr>
-              <a:t>Listening</a:t>
-            </a:r>
-          </a:p>
-        </p:txBody>
-      </p:sp>
-      <p:sp>
-        <p:nvSpPr>
-          <p:cNvPr id="7" name="TextBox 6">
-            <a:extLst>
-              <a:ext uri="{FF2B5EF4-FFF2-40B4-BE49-F238E27FC236}">
-                <a16:creationId xmlns:a16="http://schemas.microsoft.com/office/drawing/2014/main" id="{E79E1373-5FC1-45BF-B40D-BFC74AED3D68}"/>
-              </a:ext>
-            </a:extLst>
-          </p:cNvPr>
-          <p:cNvSpPr txBox="1"/>
-          <p:nvPr/>
-        </p:nvSpPr>
-        <p:spPr>
-          <a:xfrm>
-            <a:off x="16299791" y="2633930"/>
-            <a:ext cx="6096000" cy="1323439"/>
-          </a:xfrm>
-          <a:prstGeom prst="rect">
-            <a:avLst/>
-          </a:prstGeom>
-          <a:noFill/>
-        </p:spPr>
-        <p:txBody>
-          <a:bodyPr wrap="square">
-            <a:spAutoFit/>
-          </a:bodyPr>
-          <a:lstStyle/>
-          <a:p>
-            <a:r>
-              <a:rPr lang="en-MY" sz="8000" b="1" dirty="0">
-                <a:solidFill>
-                  <a:srgbClr val="1ED760"/>
-                </a:solidFill>
-                <a:latin typeface="Gotham" panose="02000804040000020004" pitchFamily="2" charset="0"/>
-              </a:rPr>
-              <a:t>everything</a:t>
-            </a:r>
-            <a:endParaRPr lang="en-MY" sz="8000" b="1" i="0" dirty="0">
-              <a:solidFill>
-                <a:srgbClr val="1ED760"/>
-              </a:solidFill>
-              <a:effectLst/>
-              <a:latin typeface="Gotham" panose="02000804040000020004" pitchFamily="2" charset="0"/>
-            </a:endParaRPr>
           </a:p>
         </p:txBody>
       </p:sp>
@@ -9943,53 +9815,6 @@
           </a:p>
         </p:txBody>
       </p:sp>
-      <p:sp>
-        <p:nvSpPr>
-          <p:cNvPr id="11" name="TextBox 10">
-            <a:extLst>
-              <a:ext uri="{FF2B5EF4-FFF2-40B4-BE49-F238E27FC236}">
-                <a16:creationId xmlns:a16="http://schemas.microsoft.com/office/drawing/2014/main" id="{0E92DCB8-25C2-4546-A632-7A94300CB0B0}"/>
-              </a:ext>
-            </a:extLst>
-          </p:cNvPr>
-          <p:cNvSpPr txBox="1"/>
-          <p:nvPr/>
-        </p:nvSpPr>
-        <p:spPr>
-          <a:xfrm>
-            <a:off x="4772025" y="6858000"/>
-            <a:ext cx="1581150" cy="276999"/>
-          </a:xfrm>
-          <a:prstGeom prst="rect">
-            <a:avLst/>
-          </a:prstGeom>
-          <a:noFill/>
-        </p:spPr>
-        <p:txBody>
-          <a:bodyPr wrap="square">
-            <a:spAutoFit/>
-          </a:bodyPr>
-          <a:lstStyle/>
-          <a:p>
-            <a:r>
-              <a:rPr lang="en-MY" sz="1200" b="1" dirty="0">
-                <a:solidFill>
-                  <a:srgbClr val="1ED760"/>
-                </a:solidFill>
-                <a:latin typeface="Gotham" panose="02000804040000020004" pitchFamily="2" charset="0"/>
-              </a:rPr>
-              <a:t>Design by hmppt </a:t>
-            </a:r>
-            <a:endParaRPr lang="en-MY" sz="1200" b="1" i="0" dirty="0">
-              <a:solidFill>
-                <a:srgbClr val="1ED760"/>
-              </a:solidFill>
-              <a:effectLst/>
-              <a:latin typeface="Gotham" panose="02000804040000020004" pitchFamily="2" charset="0"/>
-            </a:endParaRPr>
-          </a:p>
-        </p:txBody>
-      </p:sp>
       <p:grpSp>
         <p:nvGrpSpPr>
           <p:cNvPr id="13" name="Group 12">
@@ -10108,55 +9933,6 @@
       </p:grpSp>
       <p:sp>
         <p:nvSpPr>
-          <p:cNvPr id="15" name="TextBox 14">
-            <a:extLst>
-              <a:ext uri="{FF2B5EF4-FFF2-40B4-BE49-F238E27FC236}">
-                <a16:creationId xmlns:a16="http://schemas.microsoft.com/office/drawing/2014/main" id="{F1030B84-76E8-4116-B4E5-CE61C0650096}"/>
-              </a:ext>
-            </a:extLst>
-          </p:cNvPr>
-          <p:cNvSpPr txBox="1"/>
-          <p:nvPr/>
-        </p:nvSpPr>
-        <p:spPr>
-          <a:xfrm>
-            <a:off x="21905616" y="1783382"/>
-            <a:ext cx="4244180" cy="1323439"/>
-          </a:xfrm>
-          <a:prstGeom prst="rect">
-            <a:avLst/>
-          </a:prstGeom>
-          <a:noFill/>
-        </p:spPr>
-        <p:txBody>
-          <a:bodyPr wrap="square">
-            <a:spAutoFit/>
-          </a:bodyPr>
-          <a:lstStyle/>
-          <a:p>
-            <a:r>
-              <a:rPr kumimoji="0" lang="en-MY" sz="8000" b="1" i="0" u="none" strike="noStrike" kern="1200" cap="none" spc="0" normalizeH="0" baseline="0" noProof="0" dirty="0">
-                <a:ln>
-                  <a:noFill/>
-                </a:ln>
-                <a:solidFill>
-                  <a:srgbClr val="1ED760"/>
-                </a:solidFill>
-                <a:effectLst/>
-                <a:uLnTx/>
-                <a:uFillTx/>
-                <a:latin typeface="Gotham" panose="02000804040000020004" pitchFamily="2" charset="0"/>
-                <a:ea typeface="+mn-ea"/>
-                <a:cs typeface="+mn-cs"/>
-              </a:rPr>
-              <a:t>is </a:t>
-            </a:r>
-            <a:endParaRPr lang="en-MY" dirty="0"/>
-          </a:p>
-        </p:txBody>
-      </p:sp>
-      <p:sp>
-        <p:nvSpPr>
           <p:cNvPr id="5" name="Oval 4">
             <a:extLst>
               <a:ext uri="{FF2B5EF4-FFF2-40B4-BE49-F238E27FC236}">
@@ -10207,6 +9983,103 @@
           </a:p>
         </p:txBody>
       </p:sp>
+      <p:sp>
+        <p:nvSpPr>
+          <p:cNvPr id="2" name="TextBox 6">
+            <a:extLst>
+              <a:ext uri="{FF2B5EF4-FFF2-40B4-BE49-F238E27FC236}">
+                <a16:creationId xmlns:a16="http://schemas.microsoft.com/office/drawing/2014/main" id="{9FC96267-18E0-BF50-5564-8DEF57EC8C80}"/>
+              </a:ext>
+            </a:extLst>
+          </p:cNvPr>
+          <p:cNvSpPr txBox="1"/>
+          <p:nvPr/>
+        </p:nvSpPr>
+        <p:spPr>
+          <a:xfrm>
+            <a:off x="14284403" y="1876398"/>
+            <a:ext cx="6096000" cy="1323439"/>
+          </a:xfrm>
+          <a:prstGeom prst="rect">
+            <a:avLst/>
+          </a:prstGeom>
+          <a:noFill/>
+        </p:spPr>
+        <p:txBody>
+          <a:bodyPr wrap="square">
+            <a:spAutoFit/>
+          </a:bodyPr>
+          <a:lstStyle/>
+          <a:p>
+            <a:r>
+              <a:rPr lang="en-MY" sz="8000" b="1" dirty="0">
+                <a:solidFill>
+                  <a:srgbClr val="1ED760"/>
+                </a:solidFill>
+                <a:latin typeface="Gotham" panose="02000804040000020004" pitchFamily="2" charset="0"/>
+              </a:rPr>
+              <a:t>des </a:t>
+            </a:r>
+            <a:r>
+              <a:rPr lang="en-MY" sz="8000" b="1" dirty="0" err="1">
+                <a:solidFill>
+                  <a:srgbClr val="1ED760"/>
+                </a:solidFill>
+                <a:latin typeface="Gotham" panose="02000804040000020004" pitchFamily="2" charset="0"/>
+              </a:rPr>
+              <a:t>données</a:t>
+            </a:r>
+            <a:endParaRPr lang="en-MY" sz="8000" b="1" i="0" dirty="0">
+              <a:solidFill>
+                <a:srgbClr val="1ED760"/>
+              </a:solidFill>
+              <a:effectLst/>
+              <a:latin typeface="Gotham" panose="02000804040000020004" pitchFamily="2" charset="0"/>
+            </a:endParaRPr>
+          </a:p>
+        </p:txBody>
+      </p:sp>
+      <p:sp>
+        <p:nvSpPr>
+          <p:cNvPr id="3" name="TextBox 13">
+            <a:extLst>
+              <a:ext uri="{FF2B5EF4-FFF2-40B4-BE49-F238E27FC236}">
+                <a16:creationId xmlns:a16="http://schemas.microsoft.com/office/drawing/2014/main" id="{D6471EBC-D6F8-5EDA-9A74-6BBDA87B386D}"/>
+              </a:ext>
+            </a:extLst>
+          </p:cNvPr>
+          <p:cNvSpPr txBox="1"/>
+          <p:nvPr/>
+        </p:nvSpPr>
+        <p:spPr>
+          <a:xfrm>
+            <a:off x="13068301" y="907356"/>
+            <a:ext cx="6096000" cy="1323439"/>
+          </a:xfrm>
+          <a:prstGeom prst="rect">
+            <a:avLst/>
+          </a:prstGeom>
+          <a:noFill/>
+        </p:spPr>
+        <p:txBody>
+          <a:bodyPr wrap="square">
+            <a:spAutoFit/>
+          </a:bodyPr>
+          <a:lstStyle/>
+          <a:p>
+            <a:r>
+              <a:rPr lang="en-MY" sz="8000" b="1" i="0" dirty="0">
+                <a:solidFill>
+                  <a:srgbClr val="1ED760"/>
+                </a:solidFill>
+                <a:effectLst/>
+                <a:latin typeface="Gotham" panose="02000804040000020004" pitchFamily="2" charset="0"/>
+              </a:rPr>
+              <a:t>Visualisation</a:t>
+            </a:r>
+          </a:p>
+        </p:txBody>
+      </p:sp>
     </p:spTree>
     <p:extLst>
       <p:ext uri="{BB962C8B-B14F-4D97-AF65-F5344CB8AC3E}">
@@ -10219,12 +10092,12 @@
   </p:clrMapOvr>
   <mc:AlternateContent xmlns:mc="http://schemas.openxmlformats.org/markup-compatibility/2006">
     <mc:Choice xmlns:p159="http://schemas.microsoft.com/office/powerpoint/2015/09/main" Requires="p159">
-      <p:transition xmlns:p14="http://schemas.microsoft.com/office/powerpoint/2010/main" spd="slow" p14:dur="1750" advTm="10">
+      <p:transition xmlns:p14="http://schemas.microsoft.com/office/powerpoint/2010/main" spd="slow" p14:dur="1750">
         <p159:morph option="byObject"/>
       </p:transition>
     </mc:Choice>
     <mc:Fallback>
-      <p:transition spd="slow" advTm="10">
+      <p:transition spd="slow">
         <p:fade/>
       </p:transition>
     </mc:Fallback>
@@ -10396,7 +10269,16 @@
                 </a:solidFill>
                 <a:latin typeface="Gotham" panose="02000804040000020004" pitchFamily="2" charset="0"/>
               </a:rPr>
-              <a:t>everything</a:t>
+              <a:t>des </a:t>
+            </a:r>
+            <a:r>
+              <a:rPr lang="en-MY" sz="8000" b="1" dirty="0" err="1">
+                <a:solidFill>
+                  <a:srgbClr val="1ED760"/>
+                </a:solidFill>
+                <a:latin typeface="Gotham" panose="02000804040000020004" pitchFamily="2" charset="0"/>
+              </a:rPr>
+              <a:t>données</a:t>
             </a:r>
             <a:endParaRPr lang="en-MY" sz="8000" b="1" i="0" dirty="0">
               <a:solidFill>
@@ -10680,8 +10562,8 @@
         </p:nvSpPr>
         <p:spPr>
           <a:xfrm>
-            <a:off x="4772025" y="3971622"/>
-            <a:ext cx="1581150" cy="276999"/>
+            <a:off x="4071634" y="3971622"/>
+            <a:ext cx="2853041" cy="276999"/>
           </a:xfrm>
           <a:prstGeom prst="rect">
             <a:avLst/>
@@ -10694,6 +10576,15 @@
           </a:bodyPr>
           <a:lstStyle/>
           <a:p>
+            <a:r>
+              <a:rPr lang="en-MY" sz="1200" b="1" dirty="0" err="1">
+                <a:solidFill>
+                  <a:srgbClr val="1ED760"/>
+                </a:solidFill>
+                <a:latin typeface="Gotham" panose="02000804040000020004" pitchFamily="2" charset="0"/>
+              </a:rPr>
+              <a:t>Soutenance</a:t>
+            </a:r>
             <a:r>
               <a:rPr lang="en-MY" sz="1200" b="1" dirty="0">
                 <a:solidFill>
@@ -10701,7 +10592,16 @@
                 </a:solidFill>
                 <a:latin typeface="Gotham" panose="02000804040000020004" pitchFamily="2" charset="0"/>
               </a:rPr>
-              <a:t>Design by hmppt </a:t>
+              <a:t> par Antoine </a:t>
+            </a:r>
+            <a:r>
+              <a:rPr lang="en-MY" sz="1200" b="1" dirty="0" err="1">
+                <a:solidFill>
+                  <a:srgbClr val="1ED760"/>
+                </a:solidFill>
+                <a:latin typeface="Gotham" panose="02000804040000020004" pitchFamily="2" charset="0"/>
+              </a:rPr>
+              <a:t>Dedieu</a:t>
             </a:r>
             <a:endParaRPr lang="en-MY" sz="1200" b="1" i="0" dirty="0">
               <a:solidFill>
@@ -10865,7 +10765,7 @@
                 <a:effectLst/>
                 <a:latin typeface="Gotham" panose="02000804040000020004" pitchFamily="2" charset="0"/>
               </a:rPr>
-              <a:t>Listening</a:t>
+              <a:t>Visualisation</a:t>
             </a:r>
           </a:p>
         </p:txBody>
@@ -10885,7 +10785,7 @@
         <p:spPr>
           <a:xfrm>
             <a:off x="6834508" y="1783382"/>
-            <a:ext cx="4244180" cy="1323439"/>
+            <a:ext cx="4244180" cy="369332"/>
           </a:xfrm>
           <a:prstGeom prst="rect">
             <a:avLst/>
@@ -10898,23 +10798,6 @@
           </a:bodyPr>
           <a:lstStyle/>
           <a:p>
-            <a:r>
-              <a:rPr kumimoji="0" lang="en-MY" sz="8000" b="1" i="0" u="none" strike="noStrike" kern="1200" cap="none" spc="0" normalizeH="0" baseline="0" noProof="0" dirty="0">
-                <a:ln>
-                  <a:noFill/>
-                </a:ln>
-                <a:solidFill>
-                  <a:srgbClr val="1ED760"/>
-                </a:solidFill>
-                <a:effectLst/>
-                <a:uLnTx/>
-                <a:uFillTx/>
-                <a:latin typeface="Gotham" panose="02000804040000020004" pitchFamily="2" charset="0"/>
-                <a:ea typeface="+mn-ea"/>
-                <a:cs typeface="+mn-cs"/>
-              </a:rPr>
-              <a:t>is </a:t>
-            </a:r>
             <a:endParaRPr lang="en-MY" dirty="0"/>
           </a:p>
         </p:txBody>
@@ -10983,12 +10866,12 @@
   </p:clrMapOvr>
   <mc:AlternateContent xmlns:mc="http://schemas.openxmlformats.org/markup-compatibility/2006">
     <mc:Choice xmlns:p159="http://schemas.microsoft.com/office/powerpoint/2015/09/main" Requires="p159">
-      <p:transition xmlns:p14="http://schemas.microsoft.com/office/powerpoint/2010/main" spd="slow" p14:dur="1750" advTm="500">
+      <p:transition xmlns:p14="http://schemas.microsoft.com/office/powerpoint/2010/main" spd="slow" p14:dur="1750">
         <p159:morph option="byObject"/>
       </p:transition>
     </mc:Choice>
     <mc:Fallback>
-      <p:transition spd="slow" advTm="500">
+      <p:transition spd="slow">
         <p:fade/>
       </p:transition>
     </mc:Fallback>
@@ -13821,12 +13704,12 @@
   </p:clrMapOvr>
   <mc:AlternateContent xmlns:mc="http://schemas.openxmlformats.org/markup-compatibility/2006">
     <mc:Choice xmlns:p159="http://schemas.microsoft.com/office/powerpoint/2015/09/main" Requires="p159">
-      <p:transition xmlns:p14="http://schemas.microsoft.com/office/powerpoint/2010/main" spd="slow" p14:dur="1750" advTm="10">
+      <p:transition xmlns:p14="http://schemas.microsoft.com/office/powerpoint/2010/main" spd="slow" p14:dur="1750">
         <p159:morph option="byObject"/>
       </p:transition>
     </mc:Choice>
     <mc:Fallback>
-      <p:transition spd="slow" advTm="10">
+      <p:transition spd="slow">
         <p:fade/>
       </p:transition>
     </mc:Fallback>
@@ -13913,23 +13796,64 @@
           </a:p>
         </p:txBody>
       </p:sp>
+      <p:sp>
+        <p:nvSpPr>
+          <p:cNvPr id="11" name="TextBox 10">
+            <a:extLst>
+              <a:ext uri="{FF2B5EF4-FFF2-40B4-BE49-F238E27FC236}">
+                <a16:creationId xmlns:a16="http://schemas.microsoft.com/office/drawing/2014/main" id="{07B85A5B-2A0A-44D9-AA87-A1FBFA20A479}"/>
+              </a:ext>
+            </a:extLst>
+          </p:cNvPr>
+          <p:cNvSpPr txBox="1"/>
+          <p:nvPr/>
+        </p:nvSpPr>
+        <p:spPr>
+          <a:xfrm>
+            <a:off x="800100" y="325947"/>
+            <a:ext cx="1082040" cy="369332"/>
+          </a:xfrm>
+          <a:prstGeom prst="rect">
+            <a:avLst/>
+          </a:prstGeom>
+          <a:noFill/>
+        </p:spPr>
+        <p:txBody>
+          <a:bodyPr wrap="square">
+            <a:spAutoFit/>
+          </a:bodyPr>
+          <a:lstStyle/>
+          <a:p>
+            <a:r>
+              <a:rPr lang="en-MY" sz="1800" b="1" i="0" dirty="0" err="1">
+                <a:solidFill>
+                  <a:schemeClr val="bg1"/>
+                </a:solidFill>
+                <a:effectLst/>
+                <a:latin typeface="Gotham" panose="02000804040000020004" pitchFamily="2" charset="0"/>
+              </a:rPr>
+              <a:t>SpotiViz</a:t>
+            </a:r>
+            <a:endParaRPr lang="en-MY" dirty="0"/>
+          </a:p>
+        </p:txBody>
+      </p:sp>
       <p:pic>
         <p:nvPicPr>
-          <p:cNvPr id="8" name="Picture 2" descr="Listening is everything - Spotify">
-            <a:extLst>
-              <a:ext uri="{FF2B5EF4-FFF2-40B4-BE49-F238E27FC236}">
-                <a16:creationId xmlns:a16="http://schemas.microsoft.com/office/drawing/2014/main" id="{46437B76-D95D-4A73-BB6C-F6F5B015C9C5}"/>
+          <p:cNvPr id="6" name="Picture 5">
+            <a:extLst>
+              <a:ext uri="{FF2B5EF4-FFF2-40B4-BE49-F238E27FC236}">
+                <a16:creationId xmlns:a16="http://schemas.microsoft.com/office/drawing/2014/main" id="{01BB8AFB-395D-46FA-A868-8F7BC5ECDB96}"/>
               </a:ext>
             </a:extLst>
           </p:cNvPr>
           <p:cNvPicPr>
-            <a:picLocks noChangeAspect="1" noChangeArrowheads="1"/>
+            <a:picLocks noChangeAspect="1"/>
           </p:cNvPicPr>
           <p:nvPr/>
         </p:nvPicPr>
         <p:blipFill>
           <a:blip r:embed="rId2">
-            <a:biLevel thresh="50000"/>
             <a:extLst>
               <a:ext uri="{BEBA8EAE-BF5A-486C-A8C5-ECC9F3942E4B}">
                 <a14:imgProps xmlns:a14="http://schemas.microsoft.com/office/drawing/2010/main">
@@ -13940,104 +13864,6 @@
                   </a14:imgLayer>
                 </a14:imgProps>
               </a:ext>
-              <a:ext uri="{28A0092B-C50C-407E-A947-70E740481C1C}">
-                <a14:useLocalDpi xmlns:a14="http://schemas.microsoft.com/office/drawing/2010/main" val="0"/>
-              </a:ext>
-            </a:extLst>
-          </a:blip>
-          <a:srcRect/>
-          <a:stretch>
-            <a:fillRect/>
-          </a:stretch>
-        </p:blipFill>
-        <p:spPr bwMode="auto">
-          <a:xfrm>
-            <a:off x="136187" y="115832"/>
-            <a:ext cx="789562" cy="789562"/>
-          </a:xfrm>
-          <a:prstGeom prst="rect">
-            <a:avLst/>
-          </a:prstGeom>
-          <a:noFill/>
-          <a:extLst>
-            <a:ext uri="{909E8E84-426E-40DD-AFC4-6F175D3DCCD1}">
-              <a14:hiddenFill xmlns:a14="http://schemas.microsoft.com/office/drawing/2010/main">
-                <a:solidFill>
-                  <a:srgbClr val="FFFFFF"/>
-                </a:solidFill>
-              </a14:hiddenFill>
-            </a:ext>
-          </a:extLst>
-        </p:spPr>
-      </p:pic>
-      <p:sp>
-        <p:nvSpPr>
-          <p:cNvPr id="11" name="TextBox 10">
-            <a:extLst>
-              <a:ext uri="{FF2B5EF4-FFF2-40B4-BE49-F238E27FC236}">
-                <a16:creationId xmlns:a16="http://schemas.microsoft.com/office/drawing/2014/main" id="{07B85A5B-2A0A-44D9-AA87-A1FBFA20A479}"/>
-              </a:ext>
-            </a:extLst>
-          </p:cNvPr>
-          <p:cNvSpPr txBox="1"/>
-          <p:nvPr/>
-        </p:nvSpPr>
-        <p:spPr>
-          <a:xfrm>
-            <a:off x="800100" y="325947"/>
-            <a:ext cx="1082040" cy="369332"/>
-          </a:xfrm>
-          <a:prstGeom prst="rect">
-            <a:avLst/>
-          </a:prstGeom>
-          <a:noFill/>
-        </p:spPr>
-        <p:txBody>
-          <a:bodyPr wrap="square">
-            <a:spAutoFit/>
-          </a:bodyPr>
-          <a:lstStyle/>
-          <a:p>
-            <a:r>
-              <a:rPr lang="en-MY" sz="1800" b="1" i="0" dirty="0">
-                <a:solidFill>
-                  <a:schemeClr val="bg1"/>
-                </a:solidFill>
-                <a:effectLst/>
-                <a:latin typeface="Gotham" panose="02000804040000020004" pitchFamily="2" charset="0"/>
-              </a:rPr>
-              <a:t>Spotify</a:t>
-            </a:r>
-            <a:endParaRPr lang="en-MY" dirty="0"/>
-          </a:p>
-        </p:txBody>
-      </p:sp>
-      <p:pic>
-        <p:nvPicPr>
-          <p:cNvPr id="6" name="Picture 5">
-            <a:extLst>
-              <a:ext uri="{FF2B5EF4-FFF2-40B4-BE49-F238E27FC236}">
-                <a16:creationId xmlns:a16="http://schemas.microsoft.com/office/drawing/2014/main" id="{01BB8AFB-395D-46FA-A868-8F7BC5ECDB96}"/>
-              </a:ext>
-            </a:extLst>
-          </p:cNvPr>
-          <p:cNvPicPr>
-            <a:picLocks noChangeAspect="1"/>
-          </p:cNvPicPr>
-          <p:nvPr/>
-        </p:nvPicPr>
-        <p:blipFill>
-          <a:blip r:embed="rId4">
-            <a:extLst>
-              <a:ext uri="{BEBA8EAE-BF5A-486C-A8C5-ECC9F3942E4B}">
-                <a14:imgProps xmlns:a14="http://schemas.microsoft.com/office/drawing/2010/main">
-                  <a14:imgLayer r:embed="rId5">
-                    <a14:imgEffect>
-                      <a14:backgroundRemoval t="10000" b="90000" l="10000" r="90000"/>
-                    </a14:imgEffect>
-                  </a14:imgLayer>
-                </a14:imgProps>
-              </a:ext>
             </a:extLst>
           </a:blip>
           <a:stretch>
@@ -14069,7 +13895,7 @@
           <p:nvPr/>
         </p:nvPicPr>
         <p:blipFill rotWithShape="1">
-          <a:blip r:embed="rId6"/>
+          <a:blip r:embed="rId4"/>
           <a:srcRect l="10412" r="17240" b="64275"/>
           <a:stretch/>
         </p:blipFill>
@@ -14098,7 +13924,7 @@
           <p:nvPr/>
         </p:nvPicPr>
         <p:blipFill rotWithShape="1">
-          <a:blip r:embed="rId6"/>
+          <a:blip r:embed="rId4"/>
           <a:srcRect l="13420" t="57757" r="19923" b="7765"/>
           <a:stretch/>
         </p:blipFill>
@@ -14536,7 +14362,7 @@
             <p:nvPr/>
           </p:nvPicPr>
           <p:blipFill>
-            <a:blip r:embed="rId7"/>
+            <a:blip r:embed="rId5"/>
             <a:stretch>
               <a:fillRect/>
             </a:stretch>
@@ -14741,7 +14567,7 @@
             <p:nvPr/>
           </p:nvPicPr>
           <p:blipFill rotWithShape="1">
-            <a:blip r:embed="rId8">
+            <a:blip r:embed="rId6">
               <a:extLst>
                 <a:ext uri="{28A0092B-C50C-407E-A947-70E740481C1C}">
                   <a14:useLocalDpi xmlns:a14="http://schemas.microsoft.com/office/drawing/2010/main" val="0"/>
@@ -14961,7 +14787,7 @@
             <p:nvPr/>
           </p:nvPicPr>
           <p:blipFill rotWithShape="1">
-            <a:blip r:embed="rId9">
+            <a:blip r:embed="rId7">
               <a:extLst>
                 <a:ext uri="{28A0092B-C50C-407E-A947-70E740481C1C}">
                   <a14:useLocalDpi xmlns:a14="http://schemas.microsoft.com/office/drawing/2010/main" val="0"/>
@@ -15181,7 +15007,7 @@
             <p:nvPr/>
           </p:nvPicPr>
           <p:blipFill rotWithShape="1">
-            <a:blip r:embed="rId10">
+            <a:blip r:embed="rId8">
               <a:extLst>
                 <a:ext uri="{28A0092B-C50C-407E-A947-70E740481C1C}">
                   <a14:useLocalDpi xmlns:a14="http://schemas.microsoft.com/office/drawing/2010/main" val="0"/>
@@ -15227,7 +15053,7 @@
           <p:nvPr/>
         </p:nvPicPr>
         <p:blipFill>
-          <a:blip r:embed="rId11">
+          <a:blip r:embed="rId9">
             <a:extLst>
               <a:ext uri="{28A0092B-C50C-407E-A947-70E740481C1C}">
                 <a14:useLocalDpi xmlns:a14="http://schemas.microsoft.com/office/drawing/2010/main" val="0"/>
@@ -15372,7 +15198,7 @@
           <p:nvPr/>
         </p:nvPicPr>
         <p:blipFill>
-          <a:blip r:embed="rId12"/>
+          <a:blip r:embed="rId10"/>
           <a:stretch>
             <a:fillRect/>
           </a:stretch>
@@ -15944,7 +15770,7 @@
           <p:nvPr/>
         </p:nvPicPr>
         <p:blipFill>
-          <a:blip r:embed="rId13"/>
+          <a:blip r:embed="rId11"/>
           <a:stretch>
             <a:fillRect/>
           </a:stretch>
@@ -15959,64 +15785,21 @@
           </a:prstGeom>
         </p:spPr>
       </p:pic>
-      <p:pic>
-        <p:nvPicPr>
-          <p:cNvPr id="56" name="Picture 55" descr="A picture containing text, sign, electronics, compact disk&#10;&#10;Description automatically generated">
-            <a:extLst>
-              <a:ext uri="{FF2B5EF4-FFF2-40B4-BE49-F238E27FC236}">
-                <a16:creationId xmlns:a16="http://schemas.microsoft.com/office/drawing/2014/main" id="{1B1CB381-423B-4777-A02A-7455C9FE0B50}"/>
-              </a:ext>
-            </a:extLst>
-          </p:cNvPr>
-          <p:cNvPicPr>
-            <a:picLocks noChangeAspect="1"/>
-          </p:cNvPicPr>
-          <p:nvPr/>
-        </p:nvPicPr>
-        <p:blipFill>
-          <a:blip r:embed="rId14">
-            <a:duotone>
-              <a:prstClr val="black"/>
-              <a:schemeClr val="tx2">
-                <a:tint val="45000"/>
-                <a:satMod val="400000"/>
-              </a:schemeClr>
-            </a:duotone>
-            <a:extLst>
-              <a:ext uri="{28A0092B-C50C-407E-A947-70E740481C1C}">
-                <a14:useLocalDpi xmlns:a14="http://schemas.microsoft.com/office/drawing/2010/main" val="0"/>
-              </a:ext>
-            </a:extLst>
-          </a:blip>
-          <a:stretch>
-            <a:fillRect/>
-          </a:stretch>
-        </p:blipFill>
+      <p:sp>
+        <p:nvSpPr>
+          <p:cNvPr id="68" name="TextBox 67">
+            <a:extLst>
+              <a:ext uri="{FF2B5EF4-FFF2-40B4-BE49-F238E27FC236}">
+                <a16:creationId xmlns:a16="http://schemas.microsoft.com/office/drawing/2014/main" id="{61035C8A-5CA6-4129-A217-27C2C6292E00}"/>
+              </a:ext>
+            </a:extLst>
+          </p:cNvPr>
+          <p:cNvSpPr txBox="1"/>
+          <p:nvPr/>
+        </p:nvSpPr>
         <p:spPr>
           <a:xfrm>
-            <a:off x="10317621" y="325947"/>
-            <a:ext cx="374192" cy="369332"/>
-          </a:xfrm>
-          <a:prstGeom prst="rect">
-            <a:avLst/>
-          </a:prstGeom>
-        </p:spPr>
-      </p:pic>
-      <p:sp>
-        <p:nvSpPr>
-          <p:cNvPr id="68" name="TextBox 67">
-            <a:extLst>
-              <a:ext uri="{FF2B5EF4-FFF2-40B4-BE49-F238E27FC236}">
-                <a16:creationId xmlns:a16="http://schemas.microsoft.com/office/drawing/2014/main" id="{61035C8A-5CA6-4129-A217-27C2C6292E00}"/>
-              </a:ext>
-            </a:extLst>
-          </p:cNvPr>
-          <p:cNvSpPr txBox="1"/>
-          <p:nvPr/>
-        </p:nvSpPr>
-        <p:spPr>
-          <a:xfrm>
-            <a:off x="10691813" y="323861"/>
+            <a:off x="10850880" y="323861"/>
             <a:ext cx="1082040" cy="369332"/>
           </a:xfrm>
           <a:prstGeom prst="rect">
@@ -16031,14 +15814,14 @@
           <a:lstStyle/>
           <a:p>
             <a:r>
-              <a:rPr lang="en-MY" sz="1800" b="1" i="0" dirty="0">
+              <a:rPr lang="en-MY" sz="1800" b="1" i="0" dirty="0" err="1">
                 <a:solidFill>
                   <a:schemeClr val="bg1"/>
                 </a:solidFill>
                 <a:effectLst/>
                 <a:latin typeface="Gotham" panose="02000804040000020004" pitchFamily="2" charset="0"/>
               </a:rPr>
-              <a:t>hmppt</a:t>
+              <a:t>Anto</a:t>
             </a:r>
             <a:endParaRPr lang="en-MY" dirty="0"/>
           </a:p>
@@ -16379,7 +16162,7 @@
           <p:nvPr/>
         </p:nvPicPr>
         <p:blipFill rotWithShape="1">
-          <a:blip r:embed="rId15">
+          <a:blip r:embed="rId12">
             <a:duotone>
               <a:schemeClr val="accent3">
                 <a:shade val="45000"/>
@@ -16478,7 +16261,7 @@
           <p:nvPr/>
         </p:nvPicPr>
         <p:blipFill rotWithShape="1">
-          <a:blip r:embed="rId10">
+          <a:blip r:embed="rId8">
             <a:extLst>
               <a:ext uri="{28A0092B-C50C-407E-A947-70E740481C1C}">
                 <a14:useLocalDpi xmlns:a14="http://schemas.microsoft.com/office/drawing/2010/main" val="0"/>
@@ -16506,6 +16289,43 @@
               </a14:hiddenFill>
             </a:ext>
           </a:extLst>
+        </p:spPr>
+      </p:pic>
+      <p:pic>
+        <p:nvPicPr>
+          <p:cNvPr id="12" name="Image 11">
+            <a:extLst>
+              <a:ext uri="{FF2B5EF4-FFF2-40B4-BE49-F238E27FC236}">
+                <a16:creationId xmlns:a16="http://schemas.microsoft.com/office/drawing/2014/main" id="{070C03AA-6F21-2CF4-73D8-2F44299731E0}"/>
+              </a:ext>
+            </a:extLst>
+          </p:cNvPr>
+          <p:cNvPicPr>
+            <a:picLocks noChangeAspect="1"/>
+          </p:cNvPicPr>
+          <p:nvPr/>
+        </p:nvPicPr>
+        <p:blipFill>
+          <a:blip r:embed="rId13">
+            <a:biLevel thresh="50000"/>
+            <a:extLst>
+              <a:ext uri="{28A0092B-C50C-407E-A947-70E740481C1C}">
+                <a14:useLocalDpi xmlns:a14="http://schemas.microsoft.com/office/drawing/2010/main" val="0"/>
+              </a:ext>
+            </a:extLst>
+          </a:blip>
+          <a:stretch>
+            <a:fillRect/>
+          </a:stretch>
+        </p:blipFill>
+        <p:spPr>
+          <a:xfrm>
+            <a:off x="276894" y="262192"/>
+            <a:ext cx="490548" cy="490548"/>
+          </a:xfrm>
+          <a:prstGeom prst="rect">
+            <a:avLst/>
+          </a:prstGeom>
         </p:spPr>
       </p:pic>
     </p:spTree>
@@ -16520,12 +16340,12 @@
   </p:clrMapOvr>
   <mc:AlternateContent xmlns:mc="http://schemas.openxmlformats.org/markup-compatibility/2006">
     <mc:Choice xmlns:p159="http://schemas.microsoft.com/office/powerpoint/2015/09/main" Requires="p159">
-      <p:transition xmlns:p14="http://schemas.microsoft.com/office/powerpoint/2010/main" spd="slow" p14:dur="1750" advTm="500">
+      <p:transition xmlns:p14="http://schemas.microsoft.com/office/powerpoint/2010/main" spd="slow" p14:dur="1750">
         <p159:morph option="byObject"/>
       </p:transition>
     </mc:Choice>
     <mc:Fallback>
-      <p:transition spd="slow" advTm="500">
+      <p:transition spd="slow">
         <p:fade/>
       </p:transition>
     </mc:Fallback>
@@ -18969,12 +18789,12 @@
   </p:clrMapOvr>
   <mc:AlternateContent xmlns:mc="http://schemas.openxmlformats.org/markup-compatibility/2006">
     <mc:Choice xmlns:p159="http://schemas.microsoft.com/office/powerpoint/2015/09/main" Requires="p159">
-      <p:transition xmlns:p14="http://schemas.microsoft.com/office/powerpoint/2010/main" spd="slow" p14:dur="1750" advTm="500">
+      <p:transition xmlns:p14="http://schemas.microsoft.com/office/powerpoint/2010/main" spd="slow" p14:dur="1750">
         <p159:morph option="byObject"/>
       </p:transition>
     </mc:Choice>
     <mc:Fallback>
-      <p:transition spd="slow" advTm="500">
+      <p:transition spd="slow">
         <p:fade/>
       </p:transition>
     </mc:Fallback>
@@ -21251,12 +21071,12 @@
   </p:clrMapOvr>
   <mc:AlternateContent xmlns:mc="http://schemas.openxmlformats.org/markup-compatibility/2006">
     <mc:Choice xmlns:p159="http://schemas.microsoft.com/office/powerpoint/2015/09/main" Requires="p159">
-      <p:transition xmlns:p14="http://schemas.microsoft.com/office/powerpoint/2010/main" spd="slow" p14:dur="1750" advTm="500">
+      <p:transition xmlns:p14="http://schemas.microsoft.com/office/powerpoint/2010/main" spd="slow" p14:dur="1750">
         <p159:morph option="byObject"/>
       </p:transition>
     </mc:Choice>
     <mc:Fallback>
-      <p:transition spd="slow" advTm="500">
+      <p:transition spd="slow">
         <p:fade/>
       </p:transition>
     </mc:Fallback>
@@ -23855,12 +23675,12 @@
   </p:clrMapOvr>
   <mc:AlternateContent xmlns:mc="http://schemas.openxmlformats.org/markup-compatibility/2006">
     <mc:Choice xmlns:p159="http://schemas.microsoft.com/office/powerpoint/2015/09/main" Requires="p159">
-      <p:transition xmlns:p14="http://schemas.microsoft.com/office/powerpoint/2010/main" spd="slow" p14:dur="1750" advTm="500">
+      <p:transition xmlns:p14="http://schemas.microsoft.com/office/powerpoint/2010/main" spd="slow" p14:dur="1750">
         <p159:morph option="byObject"/>
       </p:transition>
     </mc:Choice>
     <mc:Fallback>
-      <p:transition spd="slow" advTm="500">
+      <p:transition spd="slow">
         <p:fade/>
       </p:transition>
     </mc:Fallback>
